--- a/Blazor Native Interop with SkiaSharp.pptx
+++ b/Blazor Native Interop with SkiaSharp.pptx
@@ -12731,19 +12731,19 @@
               <a:buNone/>
             </a:pPr>
             <a:r>
-              <a:rPr lang="en-US" sz="2000" dirty="0">
+              <a:rPr lang="en-US" sz="2000">
                 <a:latin typeface="Consolas" panose="020B0609020204030204" pitchFamily="49" charset="0"/>
               </a:rPr>
               <a:t>    </a:t>
             </a:r>
             <a:r>
-              <a:rPr lang="en-US" sz="2000" dirty="0">
+              <a:rPr lang="en-US" sz="2000">
                 <a:solidFill>
                   <a:srgbClr val="0070C0"/>
                 </a:solidFill>
                 <a:latin typeface="Consolas" panose="020B0609020204030204" pitchFamily="49" charset="0"/>
               </a:rPr>
-              <a:t>int</a:t>
+              <a:t>nint</a:t>
             </a:r>
             <a:r>
               <a:rPr lang="en-US" sz="2000" dirty="0">
